--- a/docs/project_presentation.pptx
+++ b/docs/project_presentation.pptx
@@ -500,7 +500,7 @@
           <a:p>
             <a:fld id="{2A6D1854-81C2-4FDA-8865-EF069E4E10D9}" type="datetimeFigureOut">
               <a:rPr lang="en-US" smtClean="0"/>
-              <a:t>12/6/2019</a:t>
+              <a:t>12/11/2019</a:t>
             </a:fld>
             <a:endParaRPr lang="en-US"/>
           </a:p>
@@ -668,7 +668,7 @@
           <a:p>
             <a:fld id="{2A6D1854-81C2-4FDA-8865-EF069E4E10D9}" type="datetimeFigureOut">
               <a:rPr lang="en-US" smtClean="0"/>
-              <a:t>12/6/2019</a:t>
+              <a:t>12/11/2019</a:t>
             </a:fld>
             <a:endParaRPr lang="en-US"/>
           </a:p>
@@ -846,7 +846,7 @@
           <a:p>
             <a:fld id="{2A6D1854-81C2-4FDA-8865-EF069E4E10D9}" type="datetimeFigureOut">
               <a:rPr lang="en-US" smtClean="0"/>
-              <a:t>12/6/2019</a:t>
+              <a:t>12/11/2019</a:t>
             </a:fld>
             <a:endParaRPr lang="en-US"/>
           </a:p>
@@ -1014,7 +1014,7 @@
           <a:p>
             <a:fld id="{2A6D1854-81C2-4FDA-8865-EF069E4E10D9}" type="datetimeFigureOut">
               <a:rPr lang="en-US" smtClean="0"/>
-              <a:t>12/6/2019</a:t>
+              <a:t>12/11/2019</a:t>
             </a:fld>
             <a:endParaRPr lang="en-US"/>
           </a:p>
@@ -1259,7 +1259,7 @@
           <a:p>
             <a:fld id="{2A6D1854-81C2-4FDA-8865-EF069E4E10D9}" type="datetimeFigureOut">
               <a:rPr lang="en-US" smtClean="0"/>
-              <a:t>12/6/2019</a:t>
+              <a:t>12/11/2019</a:t>
             </a:fld>
             <a:endParaRPr lang="en-US"/>
           </a:p>
@@ -1488,7 +1488,7 @@
           <a:p>
             <a:fld id="{2A6D1854-81C2-4FDA-8865-EF069E4E10D9}" type="datetimeFigureOut">
               <a:rPr lang="en-US" smtClean="0"/>
-              <a:t>12/6/2019</a:t>
+              <a:t>12/11/2019</a:t>
             </a:fld>
             <a:endParaRPr lang="en-US"/>
           </a:p>
@@ -1852,7 +1852,7 @@
           <a:p>
             <a:fld id="{2A6D1854-81C2-4FDA-8865-EF069E4E10D9}" type="datetimeFigureOut">
               <a:rPr lang="en-US" smtClean="0"/>
-              <a:t>12/6/2019</a:t>
+              <a:t>12/11/2019</a:t>
             </a:fld>
             <a:endParaRPr lang="en-US"/>
           </a:p>
@@ -1969,7 +1969,7 @@
           <a:p>
             <a:fld id="{2A6D1854-81C2-4FDA-8865-EF069E4E10D9}" type="datetimeFigureOut">
               <a:rPr lang="en-US" smtClean="0"/>
-              <a:t>12/6/2019</a:t>
+              <a:t>12/11/2019</a:t>
             </a:fld>
             <a:endParaRPr lang="en-US"/>
           </a:p>
@@ -2064,7 +2064,7 @@
           <a:p>
             <a:fld id="{2A6D1854-81C2-4FDA-8865-EF069E4E10D9}" type="datetimeFigureOut">
               <a:rPr lang="en-US" smtClean="0"/>
-              <a:t>12/6/2019</a:t>
+              <a:t>12/11/2019</a:t>
             </a:fld>
             <a:endParaRPr lang="en-US"/>
           </a:p>
@@ -2339,7 +2339,7 @@
           <a:p>
             <a:fld id="{2A6D1854-81C2-4FDA-8865-EF069E4E10D9}" type="datetimeFigureOut">
               <a:rPr lang="en-US" smtClean="0"/>
-              <a:t>12/6/2019</a:t>
+              <a:t>12/11/2019</a:t>
             </a:fld>
             <a:endParaRPr lang="en-US"/>
           </a:p>
@@ -2591,7 +2591,7 @@
           <a:p>
             <a:fld id="{2A6D1854-81C2-4FDA-8865-EF069E4E10D9}" type="datetimeFigureOut">
               <a:rPr lang="en-US" smtClean="0"/>
-              <a:t>12/6/2019</a:t>
+              <a:t>12/11/2019</a:t>
             </a:fld>
             <a:endParaRPr lang="en-US"/>
           </a:p>
@@ -2808,7 +2808,7 @@
           <a:p>
             <a:fld id="{2A6D1854-81C2-4FDA-8865-EF069E4E10D9}" type="datetimeFigureOut">
               <a:rPr lang="en-US" smtClean="0"/>
-              <a:t>12/6/2019</a:t>
+              <a:t>12/11/2019</a:t>
             </a:fld>
             <a:endParaRPr lang="en-US"/>
           </a:p>
@@ -3369,7 +3369,7 @@
           <a:lstStyle/>
           <a:p>
             <a:r>
-              <a:rPr lang="en-US" dirty="0" smtClean="0">
+              <a:rPr lang="en-US" dirty="0">
                 <a:solidFill>
                   <a:schemeClr val="bg1"/>
                 </a:solidFill>
@@ -3466,7 +3466,7 @@
           <a:lstStyle/>
           <a:p>
             <a:r>
-              <a:rPr lang="en-US" dirty="0" smtClean="0">
+              <a:rPr lang="en-US" dirty="0">
                 <a:solidFill>
                   <a:schemeClr val="bg1"/>
                 </a:solidFill>
@@ -3563,7 +3563,7 @@
           <a:lstStyle/>
           <a:p>
             <a:r>
-              <a:rPr lang="en-US" dirty="0" smtClean="0">
+              <a:rPr lang="en-US" dirty="0">
                 <a:solidFill>
                   <a:schemeClr val="bg1"/>
                 </a:solidFill>
@@ -3660,7 +3660,7 @@
           <a:lstStyle/>
           <a:p>
             <a:r>
-              <a:rPr lang="en-US" dirty="0" smtClean="0">
+              <a:rPr lang="en-US" dirty="0">
                 <a:solidFill>
                   <a:schemeClr val="bg1"/>
                 </a:solidFill>
@@ -3727,7 +3727,7 @@
           <a:lstStyle/>
           <a:p>
             <a:r>
-              <a:rPr lang="en-US" dirty="0" smtClean="0">
+              <a:rPr lang="en-US" dirty="0">
                 <a:solidFill>
                   <a:schemeClr val="bg1"/>
                 </a:solidFill>
@@ -3769,18 +3769,13 @@
               <a:buNone/>
             </a:pPr>
             <a:r>
-              <a:rPr lang="en-US" dirty="0" smtClean="0">
+              <a:rPr lang="en-US" dirty="0">
                 <a:solidFill>
                   <a:schemeClr val="bg1"/>
                 </a:solidFill>
               </a:rPr>
               <a:t>Stand by for SSH …</a:t>
             </a:r>
-            <a:endParaRPr lang="en-US" dirty="0">
-              <a:solidFill>
-                <a:schemeClr val="bg1"/>
-              </a:solidFill>
-            </a:endParaRPr>
           </a:p>
           <a:p>
             <a:endParaRPr lang="en-US" dirty="0">
@@ -3852,7 +3847,7 @@
           <a:lstStyle/>
           <a:p>
             <a:r>
-              <a:rPr lang="en-US" dirty="0" smtClean="0">
+              <a:rPr lang="en-US" dirty="0">
                 <a:solidFill>
                   <a:schemeClr val="bg1"/>
                 </a:solidFill>
@@ -3891,33 +3886,15 @@
           <a:lstStyle/>
           <a:p>
             <a:r>
-              <a:rPr lang="en-US" dirty="0" smtClean="0">
+              <a:rPr lang="en-US" dirty="0">
                 <a:solidFill>
                   <a:schemeClr val="bg1"/>
                 </a:solidFill>
                 <a:hlinkClick r:id="rId2"/>
               </a:rPr>
-              <a:t>https</a:t>
-            </a:r>
-            <a:r>
-              <a:rPr lang="en-US" dirty="0">
-                <a:solidFill>
-                  <a:schemeClr val="bg1"/>
-                </a:solidFill>
-                <a:hlinkClick r:id="rId2"/>
-              </a:rPr>
-              <a:t>://</a:t>
-            </a:r>
-            <a:r>
-              <a:rPr lang="en-US" dirty="0" smtClean="0">
-                <a:solidFill>
-                  <a:schemeClr val="bg1"/>
-                </a:solidFill>
-                <a:hlinkClick r:id="rId2"/>
-              </a:rPr>
-              <a:t>www.xilinx.com/support/documentation/sw_manuals/xilinx2019_2/ug1144-petalinux-tools-reference-guide.pdf</a:t>
-            </a:r>
-            <a:endParaRPr lang="en-US" dirty="0" smtClean="0">
+              <a:t>https://www.xilinx.com/support/documentation/sw_manuals/xilinx2019_2/ug1144-petalinux-tools-reference-guide.pdf</a:t>
+            </a:r>
+            <a:endParaRPr lang="en-US" dirty="0">
               <a:solidFill>
                 <a:schemeClr val="bg1"/>
               </a:solidFill>
@@ -3931,18 +3908,9 @@
                 </a:solidFill>
                 <a:hlinkClick r:id="rId3"/>
               </a:rPr>
-              <a:t>https://</a:t>
-            </a:r>
-            <a:r>
-              <a:rPr lang="en-US" dirty="0" smtClean="0">
-                <a:solidFill>
-                  <a:schemeClr val="bg1"/>
-                </a:solidFill>
-                <a:hlinkClick r:id="rId3"/>
-              </a:rPr>
-              <a:t>www.xilinx.com/support/documentation/sw_manuals/xilinx2019_2/ug1157-petalinux-tools-command-line-guide.pdf</a:t>
-            </a:r>
-            <a:endParaRPr lang="en-US" dirty="0" smtClean="0">
+              <a:t>https://www.xilinx.com/support/documentation/sw_manuals/xilinx2019_2/ug1157-petalinux-tools-command-line-guide.pdf</a:t>
+            </a:r>
+            <a:endParaRPr lang="en-US" dirty="0">
               <a:solidFill>
                 <a:schemeClr val="bg1"/>
               </a:solidFill>
@@ -3956,18 +3924,9 @@
                 </a:solidFill>
                 <a:hlinkClick r:id="rId4"/>
               </a:rPr>
-              <a:t>https://www.yoctoproject.org</a:t>
-            </a:r>
-            <a:r>
-              <a:rPr lang="en-US" dirty="0" smtClean="0">
-                <a:solidFill>
-                  <a:schemeClr val="bg1"/>
-                </a:solidFill>
-                <a:hlinkClick r:id="rId4"/>
-              </a:rPr>
-              <a:t>/</a:t>
-            </a:r>
-            <a:endParaRPr lang="en-US" dirty="0" smtClean="0">
+              <a:t>https://www.yoctoproject.org/</a:t>
+            </a:r>
+            <a:endParaRPr lang="en-US" dirty="0">
               <a:solidFill>
                 <a:schemeClr val="bg1"/>
               </a:solidFill>
@@ -3981,18 +3940,9 @@
                 </a:solidFill>
                 <a:hlinkClick r:id="rId5"/>
               </a:rPr>
-              <a:t>https://reference.digilentinc.com/_</a:t>
-            </a:r>
-            <a:r>
-              <a:rPr lang="en-US" dirty="0" smtClean="0">
-                <a:solidFill>
-                  <a:schemeClr val="bg1"/>
-                </a:solidFill>
-                <a:hlinkClick r:id="rId5"/>
-              </a:rPr>
-              <a:t>media/reference/programmable-logic/arty/arty_rm.pdf</a:t>
-            </a:r>
-            <a:endParaRPr lang="en-US" dirty="0" smtClean="0">
+              <a:t>https://reference.digilentinc.com/_media/reference/programmable-logic/arty/arty_rm.pdf</a:t>
+            </a:r>
+            <a:endParaRPr lang="en-US" dirty="0">
               <a:solidFill>
                 <a:schemeClr val="bg1"/>
               </a:solidFill>
@@ -4006,18 +3956,9 @@
                 </a:solidFill>
                 <a:hlinkClick r:id="rId6"/>
               </a:rPr>
-              <a:t>https://reference.digilentinc.com/_media/reference/programmable-logic/basys-3/basys3_rm.pdf?_ga=2.8933622.29982397.1565915174-26851832.1557255277&amp;_</a:t>
-            </a:r>
-            <a:r>
-              <a:rPr lang="en-US" dirty="0" smtClean="0">
-                <a:solidFill>
-                  <a:schemeClr val="bg1"/>
-                </a:solidFill>
-                <a:hlinkClick r:id="rId6"/>
-              </a:rPr>
-              <a:t>gac=1.211996064.1565915174.EAIaIQobChMIg4fPyJCG5AIVGh6tBh38AgkFEAAYASAAEgITxPD_BwE</a:t>
-            </a:r>
-            <a:endParaRPr lang="en-US" dirty="0" smtClean="0">
+              <a:t>https://reference.digilentinc.com/_media/reference/programmable-logic/basys-3/basys3_rm.pdf?_ga=2.8933622.29982397.1565915174-26851832.1557255277&amp;_gac=1.211996064.1565915174.EAIaIQobChMIg4fPyJCG5AIVGh6tBh38AgkFEAAYASAAEgITxPD_BwE</a:t>
+            </a:r>
+            <a:endParaRPr lang="en-US" dirty="0">
               <a:solidFill>
                 <a:schemeClr val="bg1"/>
               </a:solidFill>
@@ -4031,18 +3972,9 @@
                 </a:solidFill>
                 <a:hlinkClick r:id="rId7"/>
               </a:rPr>
-              <a:t>https://</a:t>
-            </a:r>
-            <a:r>
-              <a:rPr lang="en-US" dirty="0" smtClean="0">
-                <a:solidFill>
-                  <a:schemeClr val="bg1"/>
-                </a:solidFill>
-                <a:hlinkClick r:id="rId7"/>
-              </a:rPr>
-              <a:t>www.youtube.com/watch?v=8oIZxv3fJxs</a:t>
-            </a:r>
-            <a:endParaRPr lang="en-US" dirty="0" smtClean="0">
+              <a:t>https://www.youtube.com/watch?v=8oIZxv3fJxs</a:t>
+            </a:r>
+            <a:endParaRPr lang="en-US" dirty="0">
               <a:solidFill>
                 <a:schemeClr val="bg1"/>
               </a:solidFill>
@@ -4056,18 +3988,9 @@
                 </a:solidFill>
                 <a:hlinkClick r:id="rId8"/>
               </a:rPr>
-              <a:t>https://</a:t>
-            </a:r>
-            <a:r>
-              <a:rPr lang="en-US" dirty="0" smtClean="0">
-                <a:solidFill>
-                  <a:schemeClr val="bg1"/>
-                </a:solidFill>
-                <a:hlinkClick r:id="rId8"/>
-              </a:rPr>
-              <a:t>www.youtube.com/watch?v=TR2g6pAKRT0</a:t>
-            </a:r>
-            <a:endParaRPr lang="en-US" dirty="0" smtClean="0">
+              <a:t>https://www.youtube.com/watch?v=TR2g6pAKRT0</a:t>
+            </a:r>
+            <a:endParaRPr lang="en-US" dirty="0">
               <a:solidFill>
                 <a:schemeClr val="bg1"/>
               </a:solidFill>
@@ -4143,7 +4066,7 @@
           <a:lstStyle/>
           <a:p>
             <a:r>
-              <a:rPr lang="en-US" dirty="0" smtClean="0">
+              <a:rPr lang="en-US" dirty="0">
                 <a:solidFill>
                   <a:schemeClr val="bg1"/>
                 </a:solidFill>
@@ -5033,31 +4956,18 @@
                   <a:schemeClr val="bg1"/>
                 </a:solidFill>
               </a:rPr>
-              <a:t>GPIO for additional </a:t>
-            </a:r>
-            <a:r>
-              <a:rPr lang="en-US" dirty="0" smtClean="0">
-                <a:solidFill>
-                  <a:schemeClr val="bg1"/>
-                </a:solidFill>
-              </a:rPr>
-              <a:t>functionality</a:t>
-            </a:r>
-          </a:p>
-          <a:p>
-            <a:r>
-              <a:rPr lang="en-US" dirty="0" smtClean="0">
+              <a:t>GPIO for additional functionality</a:t>
+            </a:r>
+          </a:p>
+          <a:p>
+            <a:r>
+              <a:rPr lang="en-US" dirty="0">
                 <a:solidFill>
                   <a:schemeClr val="bg1"/>
                 </a:solidFill>
               </a:rPr>
               <a:t>QSPI Flash and DDR3L Memory</a:t>
             </a:r>
-            <a:endParaRPr lang="en-US" dirty="0">
-              <a:solidFill>
-                <a:schemeClr val="bg1"/>
-              </a:solidFill>
-            </a:endParaRPr>
           </a:p>
           <a:p>
             <a:endParaRPr lang="en-US" dirty="0">
@@ -5710,7 +5620,7 @@
           <a:lstStyle/>
           <a:p>
             <a:r>
-              <a:rPr lang="en-US" dirty="0" smtClean="0">
+              <a:rPr lang="en-US" dirty="0">
                 <a:solidFill>
                   <a:schemeClr val="bg1"/>
                 </a:solidFill>
@@ -5759,7 +5669,7 @@
           </a:p>
           <a:p>
             <a:r>
-              <a:rPr lang="en-US" dirty="0" err="1" smtClean="0">
+              <a:rPr lang="en-US" dirty="0" err="1">
                 <a:solidFill>
                   <a:schemeClr val="bg1"/>
                 </a:solidFill>
@@ -5767,25 +5677,17 @@
               <a:t>Bitstream</a:t>
             </a:r>
             <a:r>
-              <a:rPr lang="en-US" dirty="0" smtClean="0">
+              <a:rPr lang="en-US" dirty="0">
                 <a:solidFill>
                   <a:schemeClr val="bg1"/>
                 </a:solidFill>
               </a:rPr>
-              <a:t> </a:t>
-            </a:r>
+              <a:t> Generation</a:t>
+            </a:r>
+          </a:p>
+          <a:p>
             <a:r>
               <a:rPr lang="en-US" dirty="0">
-                <a:solidFill>
-                  <a:schemeClr val="bg1"/>
-                </a:solidFill>
-              </a:rPr>
-              <a:t>Generation</a:t>
-            </a:r>
-          </a:p>
-          <a:p>
-            <a:r>
-              <a:rPr lang="en-US" dirty="0" smtClean="0">
                 <a:solidFill>
                   <a:schemeClr val="bg1"/>
                 </a:solidFill>
@@ -5795,7 +5697,7 @@
           </a:p>
           <a:p>
             <a:r>
-              <a:rPr lang="en-US" dirty="0" smtClean="0">
+              <a:rPr lang="en-US" dirty="0">
                 <a:solidFill>
                   <a:schemeClr val="bg1"/>
                 </a:solidFill>
@@ -5803,7 +5705,7 @@
               <a:t>Create </a:t>
             </a:r>
             <a:r>
-              <a:rPr lang="en-US" dirty="0" err="1" smtClean="0">
+              <a:rPr lang="en-US" dirty="0" err="1">
                 <a:solidFill>
                   <a:schemeClr val="bg1"/>
                 </a:solidFill>
@@ -5811,7 +5713,7 @@
               <a:t>Petalinux</a:t>
             </a:r>
             <a:r>
-              <a:rPr lang="en-US" dirty="0" smtClean="0">
+              <a:rPr lang="en-US" dirty="0">
                 <a:solidFill>
                   <a:schemeClr val="bg1"/>
                 </a:solidFill>
@@ -5821,7 +5723,7 @@
           </a:p>
           <a:p>
             <a:r>
-              <a:rPr lang="en-US" dirty="0" smtClean="0">
+              <a:rPr lang="en-US" dirty="0">
                 <a:solidFill>
                   <a:schemeClr val="bg1"/>
                 </a:solidFill>
@@ -5829,43 +5731,12 @@
               <a:t>Configure </a:t>
             </a:r>
             <a:r>
-              <a:rPr lang="en-US" dirty="0" err="1" smtClean="0">
+              <a:rPr lang="en-US" dirty="0" err="1">
                 <a:solidFill>
                   <a:schemeClr val="bg1"/>
                 </a:solidFill>
               </a:rPr>
               <a:t>Petalinux</a:t>
-            </a:r>
-            <a:endParaRPr lang="en-US" dirty="0" smtClean="0">
-              <a:solidFill>
-                <a:schemeClr val="bg1"/>
-              </a:solidFill>
-            </a:endParaRPr>
-          </a:p>
-          <a:p>
-            <a:r>
-              <a:rPr lang="en-US" dirty="0" smtClean="0">
-                <a:solidFill>
-                  <a:schemeClr val="bg1"/>
-                </a:solidFill>
-              </a:rPr>
-              <a:t>Build </a:t>
-            </a:r>
-            <a:r>
-              <a:rPr lang="en-US" dirty="0" err="1" smtClean="0">
-                <a:solidFill>
-                  <a:schemeClr val="bg1"/>
-                </a:solidFill>
-              </a:rPr>
-              <a:t>Petalinux</a:t>
-            </a:r>
-            <a:r>
-              <a:rPr lang="en-US" dirty="0" smtClean="0">
-                <a:solidFill>
-                  <a:schemeClr val="bg1"/>
-                </a:solidFill>
-              </a:rPr>
-              <a:t> Image</a:t>
             </a:r>
             <a:endParaRPr lang="en-US" dirty="0">
               <a:solidFill>
@@ -5875,33 +5746,49 @@
           </a:p>
           <a:p>
             <a:r>
-              <a:rPr lang="en-US" dirty="0" smtClean="0">
+              <a:rPr lang="en-US" dirty="0">
+                <a:solidFill>
+                  <a:schemeClr val="bg1"/>
+                </a:solidFill>
+              </a:rPr>
+              <a:t>Build </a:t>
+            </a:r>
+            <a:r>
+              <a:rPr lang="en-US" dirty="0" err="1">
+                <a:solidFill>
+                  <a:schemeClr val="bg1"/>
+                </a:solidFill>
+              </a:rPr>
+              <a:t>Petalinux</a:t>
+            </a:r>
+            <a:r>
+              <a:rPr lang="en-US" dirty="0">
+                <a:solidFill>
+                  <a:schemeClr val="bg1"/>
+                </a:solidFill>
+              </a:rPr>
+              <a:t> Image</a:t>
+            </a:r>
+          </a:p>
+          <a:p>
+            <a:r>
+              <a:rPr lang="en-US" dirty="0">
                 <a:solidFill>
                   <a:schemeClr val="bg1"/>
                 </a:solidFill>
               </a:rPr>
               <a:t>Boot</a:t>
             </a:r>
-            <a:endParaRPr lang="en-US" dirty="0">
-              <a:solidFill>
-                <a:schemeClr val="bg1"/>
-              </a:solidFill>
-            </a:endParaRPr>
-          </a:p>
-          <a:p>
-            <a:r>
-              <a:rPr lang="en-US" dirty="0" smtClean="0">
+          </a:p>
+          <a:p>
+            <a:r>
+              <a:rPr lang="en-US" dirty="0">
                 <a:solidFill>
                   <a:schemeClr val="bg1"/>
                 </a:solidFill>
               </a:rPr>
               <a:t>Demo</a:t>
             </a:r>
-            <a:endParaRPr lang="en-US" dirty="0">
-              <a:solidFill>
-                <a:schemeClr val="bg1"/>
-              </a:solidFill>
-            </a:endParaRPr>
           </a:p>
           <a:p>
             <a:endParaRPr lang="en-US" dirty="0">
@@ -5996,7 +5883,7 @@
           <a:lstStyle/>
           <a:p>
             <a:r>
-              <a:rPr lang="en-US" dirty="0" smtClean="0">
+              <a:rPr lang="en-US" dirty="0">
                 <a:solidFill>
                   <a:schemeClr val="bg1"/>
                 </a:solidFill>
@@ -6112,7 +5999,7 @@
           <a:lstStyle/>
           <a:p>
             <a:r>
-              <a:rPr lang="en-US" dirty="0" smtClean="0">
+              <a:rPr lang="en-US" dirty="0">
                 <a:solidFill>
                   <a:schemeClr val="bg1"/>
                 </a:solidFill>
@@ -6244,7 +6131,7 @@
           <a:lstStyle/>
           <a:p>
             <a:r>
-              <a:rPr lang="en-US" dirty="0" smtClean="0">
+              <a:rPr lang="en-US" dirty="0">
                 <a:solidFill>
                   <a:schemeClr val="bg1"/>
                 </a:solidFill>
